--- a/Simulations/Paper3_RE/Results.pptx
+++ b/Simulations/Paper3_RE/Results.pptx
@@ -5,7 +5,7 @@
     <p:sldMasterId id="2147483648" r:id="rId1"/>
   </p:sldMasterIdLst>
   <p:notesMasterIdLst>
-    <p:notesMasterId r:id="rId27"/>
+    <p:notesMasterId r:id="rId28"/>
   </p:notesMasterIdLst>
   <p:sldIdLst>
     <p:sldId id="263" r:id="rId2"/>
@@ -31,8 +31,9 @@
     <p:sldId id="262" r:id="rId22"/>
     <p:sldId id="278" r:id="rId23"/>
     <p:sldId id="279" r:id="rId24"/>
-    <p:sldId id="282" r:id="rId25"/>
-    <p:sldId id="277" r:id="rId26"/>
+    <p:sldId id="283" r:id="rId25"/>
+    <p:sldId id="282" r:id="rId26"/>
+    <p:sldId id="277" r:id="rId27"/>
   </p:sldIdLst>
   <p:sldSz cx="12192000" cy="6858000"/>
   <p:notesSz cx="6858000" cy="9144000"/>
@@ -221,7 +222,7 @@
           <a:p>
             <a:fld id="{7020352A-F6B0-ED4A-BA2A-C27FC96C1CB6}" type="datetimeFigureOut">
               <a:rPr lang="en-US" smtClean="0"/>
-              <a:t>1/8/25</a:t>
+              <a:t>1/12/25</a:t>
             </a:fld>
             <a:endParaRPr lang="en-US"/>
           </a:p>
@@ -1240,7 +1241,10 @@
           <a:bodyPr/>
           <a:lstStyle/>
           <a:p>
-            <a:endParaRPr lang="en-US" dirty="0"/>
+            <a:r>
+              <a:rPr lang="en-US" dirty="0"/>
+              <a:t>1/12/25</a:t>
+            </a:r>
           </a:p>
         </p:txBody>
       </p:sp>
@@ -1427,7 +1431,7 @@
           <a:p>
             <a:fld id="{A09DCEAC-FB80-8547-8A06-95DA9F3779C2}" type="datetimeFigureOut">
               <a:rPr lang="en-US" smtClean="0"/>
-              <a:t>1/8/25</a:t>
+              <a:t>1/12/25</a:t>
             </a:fld>
             <a:endParaRPr lang="en-US"/>
           </a:p>
@@ -1625,7 +1629,7 @@
           <a:p>
             <a:fld id="{A09DCEAC-FB80-8547-8A06-95DA9F3779C2}" type="datetimeFigureOut">
               <a:rPr lang="en-US" smtClean="0"/>
-              <a:t>1/8/25</a:t>
+              <a:t>1/12/25</a:t>
             </a:fld>
             <a:endParaRPr lang="en-US"/>
           </a:p>
@@ -1833,7 +1837,7 @@
           <a:p>
             <a:fld id="{A09DCEAC-FB80-8547-8A06-95DA9F3779C2}" type="datetimeFigureOut">
               <a:rPr lang="en-US" smtClean="0"/>
-              <a:t>1/8/25</a:t>
+              <a:t>1/12/25</a:t>
             </a:fld>
             <a:endParaRPr lang="en-US"/>
           </a:p>
@@ -2031,7 +2035,7 @@
           <a:p>
             <a:fld id="{A09DCEAC-FB80-8547-8A06-95DA9F3779C2}" type="datetimeFigureOut">
               <a:rPr lang="en-US" smtClean="0"/>
-              <a:t>1/8/25</a:t>
+              <a:t>1/12/25</a:t>
             </a:fld>
             <a:endParaRPr lang="en-US"/>
           </a:p>
@@ -2306,7 +2310,7 @@
           <a:p>
             <a:fld id="{A09DCEAC-FB80-8547-8A06-95DA9F3779C2}" type="datetimeFigureOut">
               <a:rPr lang="en-US" smtClean="0"/>
-              <a:t>1/8/25</a:t>
+              <a:t>1/12/25</a:t>
             </a:fld>
             <a:endParaRPr lang="en-US"/>
           </a:p>
@@ -2571,7 +2575,7 @@
           <a:p>
             <a:fld id="{A09DCEAC-FB80-8547-8A06-95DA9F3779C2}" type="datetimeFigureOut">
               <a:rPr lang="en-US" smtClean="0"/>
-              <a:t>1/8/25</a:t>
+              <a:t>1/12/25</a:t>
             </a:fld>
             <a:endParaRPr lang="en-US"/>
           </a:p>
@@ -2983,7 +2987,7 @@
           <a:p>
             <a:fld id="{A09DCEAC-FB80-8547-8A06-95DA9F3779C2}" type="datetimeFigureOut">
               <a:rPr lang="en-US" smtClean="0"/>
-              <a:t>1/8/25</a:t>
+              <a:t>1/12/25</a:t>
             </a:fld>
             <a:endParaRPr lang="en-US"/>
           </a:p>
@@ -3124,7 +3128,7 @@
           <a:p>
             <a:fld id="{A09DCEAC-FB80-8547-8A06-95DA9F3779C2}" type="datetimeFigureOut">
               <a:rPr lang="en-US" smtClean="0"/>
-              <a:t>1/8/25</a:t>
+              <a:t>1/12/25</a:t>
             </a:fld>
             <a:endParaRPr lang="en-US"/>
           </a:p>
@@ -3237,7 +3241,7 @@
           <a:p>
             <a:fld id="{A09DCEAC-FB80-8547-8A06-95DA9F3779C2}" type="datetimeFigureOut">
               <a:rPr lang="en-US" smtClean="0"/>
-              <a:t>1/8/25</a:t>
+              <a:t>1/12/25</a:t>
             </a:fld>
             <a:endParaRPr lang="en-US"/>
           </a:p>
@@ -3548,7 +3552,7 @@
           <a:p>
             <a:fld id="{A09DCEAC-FB80-8547-8A06-95DA9F3779C2}" type="datetimeFigureOut">
               <a:rPr lang="en-US" smtClean="0"/>
-              <a:t>1/8/25</a:t>
+              <a:t>1/12/25</a:t>
             </a:fld>
             <a:endParaRPr lang="en-US"/>
           </a:p>
@@ -3836,7 +3840,7 @@
           <a:p>
             <a:fld id="{A09DCEAC-FB80-8547-8A06-95DA9F3779C2}" type="datetimeFigureOut">
               <a:rPr lang="en-US" smtClean="0"/>
-              <a:t>1/8/25</a:t>
+              <a:t>1/12/25</a:t>
             </a:fld>
             <a:endParaRPr lang="en-US"/>
           </a:p>
@@ -4077,7 +4081,7 @@
           <a:p>
             <a:fld id="{A09DCEAC-FB80-8547-8A06-95DA9F3779C2}" type="datetimeFigureOut">
               <a:rPr lang="en-US" smtClean="0"/>
-              <a:t>1/8/25</a:t>
+              <a:t>1/12/25</a:t>
             </a:fld>
             <a:endParaRPr lang="en-US"/>
           </a:p>
@@ -6545,93 +6549,7 @@
           <a:p>
             <a:r>
               <a:rPr lang="en-US" dirty="0"/>
-              <a:t>2-CV Bladder Analysis</a:t>
-            </a:r>
-          </a:p>
-        </p:txBody>
-      </p:sp>
-      <p:sp>
-        <p:nvSpPr>
-          <p:cNvPr id="3" name="Content Placeholder 2">
-            <a:extLst>
-              <a:ext uri="{FF2B5EF4-FFF2-40B4-BE49-F238E27FC236}">
-                <a16:creationId xmlns:a16="http://schemas.microsoft.com/office/drawing/2014/main" id="{99944685-F4FE-F4B1-B946-B5727D421C53}"/>
-              </a:ext>
-            </a:extLst>
-          </p:cNvPr>
-          <p:cNvSpPr>
-            <a:spLocks noGrp="1"/>
-          </p:cNvSpPr>
-          <p:nvPr>
-            <p:ph idx="1"/>
-          </p:nvPr>
-        </p:nvSpPr>
-        <p:spPr>
-          <a:xfrm>
-            <a:off x="6763584" y="529359"/>
-            <a:ext cx="4759036" cy="2793711"/>
-          </a:xfrm>
-        </p:spPr>
-        <p:txBody>
-          <a:bodyPr>
-            <a:normAutofit/>
-          </a:bodyPr>
-          <a:lstStyle/>
-          <a:p>
-            <a:pPr marL="0" indent="0">
-              <a:buNone/>
-            </a:pPr>
-            <a:r>
-              <a:rPr lang="en-US" dirty="0" err="1"/>
-              <a:t>NodeSize</a:t>
-            </a:r>
-            <a:r>
-              <a:rPr lang="en-US" dirty="0"/>
-              <a:t>: 3 for both phases</a:t>
-            </a:r>
-          </a:p>
-          <a:p>
-            <a:pPr marL="0" indent="0">
-              <a:buNone/>
-            </a:pPr>
-            <a:r>
-              <a:rPr lang="en-US" dirty="0" err="1"/>
-              <a:t>MinEvents</a:t>
-            </a:r>
-            <a:r>
-              <a:rPr lang="en-US" dirty="0"/>
-              <a:t> = 2</a:t>
-            </a:r>
-          </a:p>
-          <a:p>
-            <a:pPr marL="0" indent="0">
-              <a:buNone/>
-            </a:pPr>
-            <a:r>
-              <a:rPr lang="en-US" dirty="0"/>
-              <a:t>Tau = 50</a:t>
-            </a:r>
-          </a:p>
-          <a:p>
-            <a:pPr marL="0" indent="0">
-              <a:buNone/>
-            </a:pPr>
-            <a:r>
-              <a:rPr lang="en-US" dirty="0"/>
-              <a:t>Tolerance = 0.05</a:t>
-            </a:r>
-          </a:p>
-          <a:p>
-            <a:pPr marL="0" indent="0">
-              <a:buNone/>
-            </a:pPr>
-            <a:r>
-              <a:rPr lang="en-US" dirty="0" err="1"/>
-              <a:t>Ntree</a:t>
-            </a:r>
-            <a:r>
-              <a:rPr lang="en-US" dirty="0"/>
-              <a:t> = 300</a:t>
+              <a:t>5-CV Bladder Analysis</a:t>
             </a:r>
           </a:p>
         </p:txBody>
@@ -6651,13 +6569,13 @@
           <p:nvPr>
             <p:extLst>
               <p:ext uri="{D42A27DB-BD31-4B8C-83A1-F6EECF244321}">
-                <p14:modId xmlns:p14="http://schemas.microsoft.com/office/powerpoint/2010/main" val="2251847331"/>
+                <p14:modId xmlns:p14="http://schemas.microsoft.com/office/powerpoint/2010/main" val="3417693275"/>
               </p:ext>
             </p:extLst>
           </p:nvPr>
         </p:nvGraphicFramePr>
         <p:xfrm>
-          <a:off x="3728250" y="4771807"/>
+          <a:off x="6068294" y="4553068"/>
           <a:ext cx="5924813" cy="1752600"/>
         </p:xfrm>
         <a:graphic>
@@ -6853,7 +6771,7 @@
                       <a:pPr algn="ctr"/>
                       <a:r>
                         <a:rPr lang="en-US" dirty="0"/>
-                        <a:t>34.13</a:t>
+                        <a:t>37.94</a:t>
                       </a:r>
                     </a:p>
                   </a:txBody>
@@ -6888,7 +6806,7 @@
                       <a:pPr algn="ctr"/>
                       <a:r>
                         <a:rPr lang="en-US" dirty="0"/>
-                        <a:t>0.028</a:t>
+                        <a:t>0.0286</a:t>
                       </a:r>
                     </a:p>
                   </a:txBody>
@@ -6965,7 +6883,7 @@
                       <a:pPr algn="ctr"/>
                       <a:r>
                         <a:rPr lang="en-US" dirty="0"/>
-                        <a:t>32.22</a:t>
+                        <a:t>30.88</a:t>
                       </a:r>
                     </a:p>
                   </a:txBody>
@@ -7000,7 +6918,7 @@
                       <a:pPr algn="ctr"/>
                       <a:r>
                         <a:rPr lang="en-US" dirty="0"/>
-                        <a:t>0.022</a:t>
+                        <a:t>0.0211</a:t>
                       </a:r>
                     </a:p>
                   </a:txBody>
@@ -7077,7 +6995,7 @@
                       <a:pPr algn="ctr"/>
                       <a:r>
                         <a:rPr lang="en-US" dirty="0"/>
-                        <a:t>28.16</a:t>
+                        <a:t>27.94</a:t>
                       </a:r>
                     </a:p>
                   </a:txBody>
@@ -7112,7 +7030,7 @@
                       <a:pPr algn="ctr"/>
                       <a:r>
                         <a:rPr lang="en-US" dirty="0"/>
-                        <a:t>0.029</a:t>
+                        <a:t>0.0280</a:t>
                       </a:r>
                     </a:p>
                   </a:txBody>
@@ -7164,13 +7082,13 @@
           <p:nvPr>
             <p:extLst>
               <p:ext uri="{D42A27DB-BD31-4B8C-83A1-F6EECF244321}">
-                <p14:modId xmlns:p14="http://schemas.microsoft.com/office/powerpoint/2010/main" val="478821737"/>
+                <p14:modId xmlns:p14="http://schemas.microsoft.com/office/powerpoint/2010/main" val="3701470588"/>
               </p:ext>
             </p:extLst>
           </p:nvPr>
         </p:nvGraphicFramePr>
         <p:xfrm>
-          <a:off x="838199" y="2992320"/>
+          <a:off x="738695" y="1732685"/>
           <a:ext cx="5146965" cy="1107440"/>
         </p:xfrm>
         <a:graphic>
@@ -7304,7 +7222,7 @@
                             <a:schemeClr val="tx1"/>
                           </a:solidFill>
                         </a:rPr>
-                        <a:t>0.73</a:t>
+                        <a:t>0.789</a:t>
                       </a:r>
                     </a:p>
                   </a:txBody>
@@ -7431,8 +7349,8 @@
         </p:nvSpPr>
         <p:spPr>
           <a:xfrm>
-            <a:off x="3728250" y="4432333"/>
-            <a:ext cx="2986843" cy="369332"/>
+            <a:off x="6068294" y="4213594"/>
+            <a:ext cx="2812629" cy="369332"/>
           </a:xfrm>
           <a:prstGeom prst="rect">
             <a:avLst/>
@@ -7447,7 +7365,7 @@
           <a:p>
             <a:r>
               <a:rPr lang="en-US" dirty="0"/>
-              <a:t>Averaged across the two folds</a:t>
+              <a:t>Averaged across the 5-folds</a:t>
             </a:r>
           </a:p>
         </p:txBody>
@@ -7467,14 +7385,14 @@
           <p:nvPr>
             <p:extLst>
               <p:ext uri="{D42A27DB-BD31-4B8C-83A1-F6EECF244321}">
-                <p14:modId xmlns:p14="http://schemas.microsoft.com/office/powerpoint/2010/main" val="347260159"/>
+                <p14:modId xmlns:p14="http://schemas.microsoft.com/office/powerpoint/2010/main" val="1125253289"/>
               </p:ext>
             </p:extLst>
           </p:nvPr>
         </p:nvGraphicFramePr>
         <p:xfrm>
-          <a:off x="838200" y="1660397"/>
-          <a:ext cx="5146965" cy="1107440"/>
+          <a:off x="9240982" y="1317538"/>
+          <a:ext cx="2378810" cy="2473960"/>
         </p:xfrm>
         <a:graphic>
           <a:graphicData uri="http://schemas.openxmlformats.org/drawingml/2006/table">
@@ -7483,31 +7401,24 @@
                 <a:tableStyleId>{5C22544A-7EE6-4342-B048-85BDC9FD1C3A}</a:tableStyleId>
               </a:tblPr>
               <a:tblGrid>
-                <a:gridCol w="1699272">
+                <a:gridCol w="1104113">
                   <a:extLst>
                     <a:ext uri="{9D8B030D-6E8A-4147-A177-3AD203B41FA5}">
                       <a16:colId xmlns:a16="http://schemas.microsoft.com/office/drawing/2014/main" val="1140352104"/>
                     </a:ext>
                   </a:extLst>
                 </a:gridCol>
-                <a:gridCol w="143183">
+                <a:gridCol w="201135">
                   <a:extLst>
                     <a:ext uri="{9D8B030D-6E8A-4147-A177-3AD203B41FA5}">
                       <a16:colId xmlns:a16="http://schemas.microsoft.com/office/drawing/2014/main" val="2473769131"/>
                     </a:ext>
                   </a:extLst>
                 </a:gridCol>
-                <a:gridCol w="1652255">
+                <a:gridCol w="1073562">
                   <a:extLst>
                     <a:ext uri="{9D8B030D-6E8A-4147-A177-3AD203B41FA5}">
                       <a16:colId xmlns:a16="http://schemas.microsoft.com/office/drawing/2014/main" val="134682711"/>
-                    </a:ext>
-                  </a:extLst>
-                </a:gridCol>
-                <a:gridCol w="1652255">
-                  <a:extLst>
-                    <a:ext uri="{9D8B030D-6E8A-4147-A177-3AD203B41FA5}">
-                      <a16:colId xmlns:a16="http://schemas.microsoft.com/office/drawing/2014/main" val="695608714"/>
                     </a:ext>
                   </a:extLst>
                 </a:gridCol>
@@ -7604,46 +7515,6 @@
                   </a:txBody>
                   <a:tcPr anchor="ctr"/>
                 </a:tc>
-                <a:tc>
-                  <a:txBody>
-                    <a:bodyPr/>
-                    <a:lstStyle/>
-                    <a:p>
-                      <a:pPr marL="0" indent="0" algn="ctr">
-                        <a:buNone/>
-                      </a:pPr>
-                      <a:r>
-                        <a:rPr lang="en-US" dirty="0">
-                          <a:solidFill>
-                            <a:schemeClr val="tx1"/>
-                          </a:solidFill>
-                        </a:rPr>
-                        <a:t>Testing Fold</a:t>
-                      </a:r>
-                    </a:p>
-                  </a:txBody>
-                  <a:tcPr anchor="ctr">
-                    <a:lnT w="12700" cap="flat" cmpd="sng" algn="ctr">
-                      <a:solidFill>
-                        <a:schemeClr val="tx1"/>
-                      </a:solidFill>
-                      <a:prstDash val="solid"/>
-                      <a:round/>
-                      <a:headEnd type="none" w="med" len="med"/>
-                      <a:tailEnd type="none" w="med" len="med"/>
-                    </a:lnT>
-                    <a:lnB w="12700" cap="flat" cmpd="sng" algn="ctr">
-                      <a:solidFill>
-                        <a:schemeClr val="tx1"/>
-                      </a:solidFill>
-                      <a:prstDash val="solid"/>
-                      <a:round/>
-                      <a:headEnd type="none" w="med" len="med"/>
-                      <a:tailEnd type="none" w="med" len="med"/>
-                    </a:lnB>
-                    <a:noFill/>
-                  </a:tcPr>
-                </a:tc>
                 <a:extLst>
                   <a:ext uri="{0D108BD9-81ED-4DB2-BD59-A6C34878D82A}">
                     <a16:rowId xmlns:a16="http://schemas.microsoft.com/office/drawing/2014/main" val="3893879472"/>
@@ -7695,27 +7566,7 @@
                       <a:endParaRPr lang="en-US"/>
                     </a:p>
                   </a:txBody>
-                  <a:tcPr/>
-                </a:tc>
-                <a:tc>
-                  <a:txBody>
-                    <a:bodyPr/>
-                    <a:lstStyle/>
-                    <a:p>
-                      <a:pPr marL="0" indent="0" algn="ctr">
-                        <a:buNone/>
-                      </a:pPr>
-                      <a:r>
-                        <a:rPr lang="en-US" dirty="0">
-                          <a:solidFill>
-                            <a:schemeClr val="tx1"/>
-                          </a:solidFill>
-                        </a:rPr>
-                        <a:t>0.757</a:t>
-                      </a:r>
-                    </a:p>
-                  </a:txBody>
-                  <a:tcPr anchor="ctr">
+                  <a:tcPr>
                     <a:lnT w="12700" cap="flat" cmpd="sng" algn="ctr">
                       <a:solidFill>
                         <a:schemeClr val="tx1"/>
@@ -7725,14 +7576,6 @@
                       <a:headEnd type="none" w="med" len="med"/>
                       <a:tailEnd type="none" w="med" len="med"/>
                     </a:lnT>
-                    <a:lnB w="12700" cap="flat" cmpd="sng" algn="ctr">
-                      <a:noFill/>
-                      <a:prstDash val="solid"/>
-                      <a:round/>
-                      <a:headEnd type="none" w="med" len="med"/>
-                      <a:tailEnd type="none" w="med" len="med"/>
-                    </a:lnB>
-                    <a:noFill/>
                   </a:tcPr>
                 </a:tc>
                 <a:tc>
@@ -7749,7 +7592,7 @@
                             <a:schemeClr val="tx1"/>
                           </a:solidFill>
                         </a:rPr>
-                        <a:t>2</a:t>
+                        <a:t>0.75</a:t>
                       </a:r>
                     </a:p>
                   </a:txBody>
@@ -7805,9 +7648,7 @@
                       <a:tailEnd type="none" w="med" len="med"/>
                     </a:lnT>
                     <a:lnB w="12700" cap="flat" cmpd="sng" algn="ctr">
-                      <a:solidFill>
-                        <a:schemeClr val="tx1"/>
-                      </a:solidFill>
+                      <a:noFill/>
                       <a:prstDash val="solid"/>
                       <a:round/>
                       <a:headEnd type="none" w="med" len="med"/>
@@ -7838,7 +7679,234 @@
                             <a:schemeClr val="tx1"/>
                           </a:solidFill>
                         </a:rPr>
-                        <a:t>0.757</a:t>
+                        <a:t>0.739</a:t>
+                      </a:r>
+                    </a:p>
+                  </a:txBody>
+                  <a:tcPr anchor="ctr">
+                    <a:lnT w="12700" cap="flat" cmpd="sng" algn="ctr">
+                      <a:noFill/>
+                      <a:prstDash val="solid"/>
+                      <a:round/>
+                      <a:headEnd type="none" w="med" len="med"/>
+                      <a:tailEnd type="none" w="med" len="med"/>
+                    </a:lnT>
+                    <a:lnB w="12700" cap="flat" cmpd="sng" algn="ctr">
+                      <a:noFill/>
+                      <a:prstDash val="solid"/>
+                      <a:round/>
+                      <a:headEnd type="none" w="med" len="med"/>
+                      <a:tailEnd type="none" w="med" len="med"/>
+                    </a:lnB>
+                    <a:noFill/>
+                  </a:tcPr>
+                </a:tc>
+                <a:extLst>
+                  <a:ext uri="{0D108BD9-81ED-4DB2-BD59-A6C34878D82A}">
+                    <a16:rowId xmlns:a16="http://schemas.microsoft.com/office/drawing/2014/main" val="2890555090"/>
+                  </a:ext>
+                </a:extLst>
+              </a:tr>
+              <a:tr h="246838">
+                <a:tc gridSpan="2">
+                  <a:txBody>
+                    <a:bodyPr/>
+                    <a:lstStyle/>
+                    <a:p>
+                      <a:pPr algn="ctr"/>
+                      <a:r>
+                        <a:rPr lang="en-US" dirty="0">
+                          <a:solidFill>
+                            <a:schemeClr val="tx1"/>
+                          </a:solidFill>
+                        </a:rPr>
+                        <a:t>3</a:t>
+                      </a:r>
+                    </a:p>
+                  </a:txBody>
+                  <a:tcPr anchor="ctr">
+                    <a:lnT w="12700" cap="flat" cmpd="sng" algn="ctr">
+                      <a:noFill/>
+                      <a:prstDash val="solid"/>
+                      <a:round/>
+                      <a:headEnd type="none" w="med" len="med"/>
+                      <a:tailEnd type="none" w="med" len="med"/>
+                    </a:lnT>
+                    <a:lnB w="12700" cap="flat" cmpd="sng" algn="ctr">
+                      <a:noFill/>
+                      <a:prstDash val="solid"/>
+                      <a:round/>
+                      <a:headEnd type="none" w="med" len="med"/>
+                      <a:tailEnd type="none" w="med" len="med"/>
+                    </a:lnB>
+                    <a:noFill/>
+                  </a:tcPr>
+                </a:tc>
+                <a:tc hMerge="1">
+                  <a:txBody>
+                    <a:bodyPr/>
+                    <a:lstStyle/>
+                    <a:p>
+                      <a:endParaRPr lang="en-US"/>
+                    </a:p>
+                  </a:txBody>
+                  <a:tcPr/>
+                </a:tc>
+                <a:tc>
+                  <a:txBody>
+                    <a:bodyPr/>
+                    <a:lstStyle/>
+                    <a:p>
+                      <a:pPr marL="0" marR="0" lvl="0" indent="0" algn="ctr" defTabSz="914400" rtl="0" eaLnBrk="1" fontAlgn="auto" latinLnBrk="0" hangingPunct="1">
+                        <a:lnSpc>
+                          <a:spcPct val="100000"/>
+                        </a:lnSpc>
+                        <a:spcBef>
+                          <a:spcPts val="0"/>
+                        </a:spcBef>
+                        <a:spcAft>
+                          <a:spcPts val="0"/>
+                        </a:spcAft>
+                        <a:buClrTx/>
+                        <a:buSzTx/>
+                        <a:buFontTx/>
+                        <a:buNone/>
+                        <a:tabLst/>
+                        <a:defRPr/>
+                      </a:pPr>
+                      <a:r>
+                        <a:rPr lang="en-US" dirty="0">
+                          <a:solidFill>
+                            <a:schemeClr val="tx1"/>
+                          </a:solidFill>
+                        </a:rPr>
+                        <a:t>0.739</a:t>
+                      </a:r>
+                    </a:p>
+                  </a:txBody>
+                  <a:tcPr anchor="ctr">
+                    <a:lnT w="12700" cap="flat" cmpd="sng" algn="ctr">
+                      <a:noFill/>
+                      <a:prstDash val="solid"/>
+                      <a:round/>
+                      <a:headEnd type="none" w="med" len="med"/>
+                      <a:tailEnd type="none" w="med" len="med"/>
+                    </a:lnT>
+                    <a:lnB w="12700" cap="flat" cmpd="sng" algn="ctr">
+                      <a:noFill/>
+                      <a:prstDash val="solid"/>
+                      <a:round/>
+                      <a:headEnd type="none" w="med" len="med"/>
+                      <a:tailEnd type="none" w="med" len="med"/>
+                    </a:lnB>
+                    <a:noFill/>
+                  </a:tcPr>
+                </a:tc>
+                <a:extLst>
+                  <a:ext uri="{0D108BD9-81ED-4DB2-BD59-A6C34878D82A}">
+                    <a16:rowId xmlns:a16="http://schemas.microsoft.com/office/drawing/2014/main" val="3754974435"/>
+                  </a:ext>
+                </a:extLst>
+              </a:tr>
+              <a:tr h="246838">
+                <a:tc gridSpan="2">
+                  <a:txBody>
+                    <a:bodyPr/>
+                    <a:lstStyle/>
+                    <a:p>
+                      <a:pPr algn="ctr"/>
+                      <a:r>
+                        <a:rPr lang="en-US" dirty="0">
+                          <a:solidFill>
+                            <a:schemeClr val="tx1"/>
+                          </a:solidFill>
+                        </a:rPr>
+                        <a:t>4</a:t>
+                      </a:r>
+                    </a:p>
+                  </a:txBody>
+                  <a:tcPr anchor="ctr">
+                    <a:lnT w="12700" cap="flat" cmpd="sng" algn="ctr">
+                      <a:noFill/>
+                      <a:prstDash val="solid"/>
+                      <a:round/>
+                      <a:headEnd type="none" w="med" len="med"/>
+                      <a:tailEnd type="none" w="med" len="med"/>
+                    </a:lnT>
+                    <a:lnB w="12700" cap="flat" cmpd="sng" algn="ctr">
+                      <a:noFill/>
+                      <a:prstDash val="solid"/>
+                      <a:round/>
+                      <a:headEnd type="none" w="med" len="med"/>
+                      <a:tailEnd type="none" w="med" len="med"/>
+                    </a:lnB>
+                    <a:noFill/>
+                  </a:tcPr>
+                </a:tc>
+                <a:tc hMerge="1">
+                  <a:txBody>
+                    <a:bodyPr/>
+                    <a:lstStyle/>
+                    <a:p>
+                      <a:endParaRPr lang="en-US"/>
+                    </a:p>
+                  </a:txBody>
+                  <a:tcPr/>
+                </a:tc>
+                <a:tc>
+                  <a:txBody>
+                    <a:bodyPr/>
+                    <a:lstStyle/>
+                    <a:p>
+                      <a:pPr algn="ctr"/>
+                      <a:r>
+                        <a:rPr lang="en-US" dirty="0">
+                          <a:solidFill>
+                            <a:schemeClr val="tx1"/>
+                          </a:solidFill>
+                        </a:rPr>
+                        <a:t>0.783</a:t>
+                      </a:r>
+                    </a:p>
+                  </a:txBody>
+                  <a:tcPr anchor="ctr">
+                    <a:lnT w="12700" cap="flat" cmpd="sng" algn="ctr">
+                      <a:noFill/>
+                      <a:prstDash val="solid"/>
+                      <a:round/>
+                      <a:headEnd type="none" w="med" len="med"/>
+                      <a:tailEnd type="none" w="med" len="med"/>
+                    </a:lnT>
+                    <a:lnB w="12700" cap="flat" cmpd="sng" algn="ctr">
+                      <a:noFill/>
+                      <a:prstDash val="solid"/>
+                      <a:round/>
+                      <a:headEnd type="none" w="med" len="med"/>
+                      <a:tailEnd type="none" w="med" len="med"/>
+                    </a:lnB>
+                    <a:noFill/>
+                  </a:tcPr>
+                </a:tc>
+                <a:extLst>
+                  <a:ext uri="{0D108BD9-81ED-4DB2-BD59-A6C34878D82A}">
+                    <a16:rowId xmlns:a16="http://schemas.microsoft.com/office/drawing/2014/main" val="779976694"/>
+                  </a:ext>
+                </a:extLst>
+              </a:tr>
+              <a:tr h="246838">
+                <a:tc gridSpan="2">
+                  <a:txBody>
+                    <a:bodyPr/>
+                    <a:lstStyle/>
+                    <a:p>
+                      <a:pPr algn="ctr"/>
+                      <a:r>
+                        <a:rPr lang="en-US" dirty="0">
+                          <a:solidFill>
+                            <a:schemeClr val="tx1"/>
+                          </a:solidFill>
+                        </a:rPr>
+                        <a:t>5</a:t>
                       </a:r>
                     </a:p>
                   </a:txBody>
@@ -7862,6 +7930,16 @@
                     <a:noFill/>
                   </a:tcPr>
                 </a:tc>
+                <a:tc hMerge="1">
+                  <a:txBody>
+                    <a:bodyPr/>
+                    <a:lstStyle/>
+                    <a:p>
+                      <a:endParaRPr lang="en-US" dirty="0"/>
+                    </a:p>
+                  </a:txBody>
+                  <a:tcPr/>
+                </a:tc>
                 <a:tc>
                   <a:txBody>
                     <a:bodyPr/>
@@ -7874,7 +7952,7 @@
                             <a:schemeClr val="tx1"/>
                           </a:solidFill>
                         </a:rPr>
-                        <a:t>1</a:t>
+                        <a:t>0.783</a:t>
                       </a:r>
                     </a:p>
                   </a:txBody>
@@ -7900,7 +7978,7 @@
                 </a:tc>
                 <a:extLst>
                   <a:ext uri="{0D108BD9-81ED-4DB2-BD59-A6C34878D82A}">
-                    <a16:rowId xmlns:a16="http://schemas.microsoft.com/office/drawing/2014/main" val="2890555090"/>
+                    <a16:rowId xmlns:a16="http://schemas.microsoft.com/office/drawing/2014/main" val="3576106493"/>
                   </a:ext>
                 </a:extLst>
               </a:tr>
@@ -7908,6 +7986,122 @@
           </a:graphicData>
         </a:graphic>
       </p:graphicFrame>
+      <p:pic>
+        <p:nvPicPr>
+          <p:cNvPr id="11" name="Picture 10">
+            <a:extLst>
+              <a:ext uri="{FF2B5EF4-FFF2-40B4-BE49-F238E27FC236}">
+                <a16:creationId xmlns:a16="http://schemas.microsoft.com/office/drawing/2014/main" id="{AFE738B8-4C5C-D8A1-45E4-12F9F71A08FF}"/>
+              </a:ext>
+            </a:extLst>
+          </p:cNvPr>
+          <p:cNvPicPr>
+            <a:picLocks noChangeAspect="1"/>
+          </p:cNvPicPr>
+          <p:nvPr/>
+        </p:nvPicPr>
+        <p:blipFill>
+          <a:blip r:embed="rId3"/>
+          <a:stretch>
+            <a:fillRect/>
+          </a:stretch>
+        </p:blipFill>
+        <p:spPr>
+          <a:xfrm>
+            <a:off x="268213" y="3157287"/>
+            <a:ext cx="5617447" cy="3458953"/>
+          </a:xfrm>
+          <a:prstGeom prst="rect">
+            <a:avLst/>
+          </a:prstGeom>
+        </p:spPr>
+      </p:pic>
+      <p:sp>
+        <p:nvSpPr>
+          <p:cNvPr id="14" name="Content Placeholder 2">
+            <a:extLst>
+              <a:ext uri="{FF2B5EF4-FFF2-40B4-BE49-F238E27FC236}">
+                <a16:creationId xmlns:a16="http://schemas.microsoft.com/office/drawing/2014/main" id="{2AFB0350-025A-9A53-80AA-F494B5FFB40F}"/>
+              </a:ext>
+            </a:extLst>
+          </p:cNvPr>
+          <p:cNvSpPr>
+            <a:spLocks noGrp="1"/>
+          </p:cNvSpPr>
+          <p:nvPr>
+            <p:ph idx="1"/>
+          </p:nvPr>
+        </p:nvSpPr>
+        <p:spPr>
+          <a:xfrm>
+            <a:off x="6218072" y="1317537"/>
+            <a:ext cx="2812628" cy="2584245"/>
+          </a:xfrm>
+        </p:spPr>
+        <p:txBody>
+          <a:bodyPr numCol="1">
+            <a:noAutofit/>
+          </a:bodyPr>
+          <a:lstStyle/>
+          <a:p>
+            <a:pPr marL="0" indent="0">
+              <a:buNone/>
+            </a:pPr>
+            <a:r>
+              <a:rPr lang="en-US" sz="2000" dirty="0" err="1"/>
+              <a:t>NodeSize</a:t>
+            </a:r>
+            <a:r>
+              <a:rPr lang="en-US" sz="2000" dirty="0"/>
+              <a:t>: 3 for both phases</a:t>
+            </a:r>
+          </a:p>
+          <a:p>
+            <a:pPr marL="0" indent="0">
+              <a:buNone/>
+            </a:pPr>
+            <a:r>
+              <a:rPr lang="en-US" sz="2000" dirty="0" err="1"/>
+              <a:t>MinEvents</a:t>
+            </a:r>
+            <a:r>
+              <a:rPr lang="en-US" sz="2000" dirty="0"/>
+              <a:t> = 2</a:t>
+            </a:r>
+          </a:p>
+          <a:p>
+            <a:pPr marL="0" indent="0">
+              <a:buNone/>
+            </a:pPr>
+            <a:r>
+              <a:rPr lang="en-US" sz="2000" dirty="0"/>
+              <a:t>Tau = 54</a:t>
+            </a:r>
+          </a:p>
+          <a:p>
+            <a:pPr marL="0" indent="0">
+              <a:buNone/>
+            </a:pPr>
+            <a:r>
+              <a:rPr lang="en-US" sz="2000" dirty="0"/>
+              <a:t>Tolerance = 0.05</a:t>
+            </a:r>
+          </a:p>
+          <a:p>
+            <a:pPr marL="0" indent="0">
+              <a:buNone/>
+            </a:pPr>
+            <a:r>
+              <a:rPr lang="en-US" sz="2000" dirty="0" err="1"/>
+              <a:t>Ntree</a:t>
+            </a:r>
+            <a:r>
+              <a:rPr lang="en-US" sz="2000" dirty="0"/>
+              <a:t> = 300</a:t>
+            </a:r>
+          </a:p>
+        </p:txBody>
+      </p:sp>
     </p:spTree>
     <p:extLst>
       <p:ext uri="{BB962C8B-B14F-4D97-AF65-F5344CB8AC3E}">
@@ -7943,6 +8137,92 @@
           <p:cNvPr id="2" name="Title 1">
             <a:extLst>
               <a:ext uri="{FF2B5EF4-FFF2-40B4-BE49-F238E27FC236}">
+                <a16:creationId xmlns:a16="http://schemas.microsoft.com/office/drawing/2014/main" id="{DB541AE5-01C3-C8A0-E69D-FADBA66B9175}"/>
+              </a:ext>
+            </a:extLst>
+          </p:cNvPr>
+          <p:cNvSpPr>
+            <a:spLocks noGrp="1"/>
+          </p:cNvSpPr>
+          <p:nvPr>
+            <p:ph type="ctrTitle"/>
+          </p:nvPr>
+        </p:nvSpPr>
+        <p:spPr/>
+        <p:txBody>
+          <a:bodyPr/>
+          <a:lstStyle/>
+          <a:p>
+            <a:r>
+              <a:rPr lang="en-US" dirty="0"/>
+              <a:t>Supplementary</a:t>
+            </a:r>
+          </a:p>
+        </p:txBody>
+      </p:sp>
+      <p:sp>
+        <p:nvSpPr>
+          <p:cNvPr id="3" name="Subtitle 2">
+            <a:extLst>
+              <a:ext uri="{FF2B5EF4-FFF2-40B4-BE49-F238E27FC236}">
+                <a16:creationId xmlns:a16="http://schemas.microsoft.com/office/drawing/2014/main" id="{397021A8-3F1A-4174-B5EB-876D42ED3E72}"/>
+              </a:ext>
+            </a:extLst>
+          </p:cNvPr>
+          <p:cNvSpPr>
+            <a:spLocks noGrp="1"/>
+          </p:cNvSpPr>
+          <p:nvPr>
+            <p:ph type="subTitle" idx="1"/>
+          </p:nvPr>
+        </p:nvSpPr>
+        <p:spPr/>
+        <p:txBody>
+          <a:bodyPr/>
+          <a:lstStyle/>
+          <a:p>
+            <a:r>
+              <a:rPr lang="en-US" dirty="0"/>
+              <a:t>OLD</a:t>
+            </a:r>
+          </a:p>
+        </p:txBody>
+      </p:sp>
+    </p:spTree>
+    <p:extLst>
+      <p:ext uri="{BB962C8B-B14F-4D97-AF65-F5344CB8AC3E}">
+        <p14:creationId xmlns:p14="http://schemas.microsoft.com/office/powerpoint/2010/main" val="2944491772"/>
+      </p:ext>
+    </p:extLst>
+  </p:cSld>
+  <p:clrMapOvr>
+    <a:masterClrMapping/>
+  </p:clrMapOvr>
+</p:sld>
+</file>
+
+<file path=ppt/slides/slide25.xml><?xml version="1.0" encoding="utf-8"?>
+<p:sld xmlns:a="http://schemas.openxmlformats.org/drawingml/2006/main" xmlns:r="http://schemas.openxmlformats.org/officeDocument/2006/relationships" xmlns:p="http://schemas.openxmlformats.org/presentationml/2006/main">
+  <p:cSld>
+    <p:spTree>
+      <p:nvGrpSpPr>
+        <p:cNvPr id="1" name=""/>
+        <p:cNvGrpSpPr/>
+        <p:nvPr/>
+      </p:nvGrpSpPr>
+      <p:grpSpPr>
+        <a:xfrm>
+          <a:off x="0" y="0"/>
+          <a:ext cx="0" cy="0"/>
+          <a:chOff x="0" y="0"/>
+          <a:chExt cx="0" cy="0"/>
+        </a:xfrm>
+      </p:grpSpPr>
+      <p:sp>
+        <p:nvSpPr>
+          <p:cNvPr id="2" name="Title 1">
+            <a:extLst>
+              <a:ext uri="{FF2B5EF4-FFF2-40B4-BE49-F238E27FC236}">
                 <a16:creationId xmlns:a16="http://schemas.microsoft.com/office/drawing/2014/main" id="{907711DA-585F-6D71-0AAC-4B8467E31E35}"/>
               </a:ext>
             </a:extLst>
@@ -7961,7 +8241,14 @@
           <a:p>
             <a:r>
               <a:rPr lang="en-US" dirty="0"/>
-              <a:t>A simpler attempt (single split)</a:t>
+              <a:t>RDA: A simpler attempt</a:t>
+            </a:r>
+            <a:br>
+              <a:rPr lang="en-US" dirty="0"/>
+            </a:br>
+            <a:r>
+              <a:rPr lang="en-US" dirty="0"/>
+              <a:t>(single split)</a:t>
             </a:r>
           </a:p>
         </p:txBody>
@@ -8007,7 +8294,7 @@
 </p:sld>
 </file>
 
-<file path=ppt/slides/slide25.xml><?xml version="1.0" encoding="utf-8"?>
+<file path=ppt/slides/slide26.xml><?xml version="1.0" encoding="utf-8"?>
 <p:sld xmlns:a="http://schemas.openxmlformats.org/drawingml/2006/main" xmlns:r="http://schemas.openxmlformats.org/officeDocument/2006/relationships" xmlns:p="http://schemas.openxmlformats.org/presentationml/2006/main">
   <p:cSld>
     <p:spTree>
